--- a/plots/Fig7 densification.pptx
+++ b/plots/Fig7 densification.pptx
@@ -197,7 +197,7 @@
           <a:p>
             <a:fld id="{7FBD6D00-5174-A449-9D44-84A3CC40E9AF}" type="datetimeFigureOut">
               <a:rPr lang="en-US" smtClean="0"/>
-              <a:t>2/14/24</a:t>
+              <a:t>3/14/24</a:t>
             </a:fld>
             <a:endParaRPr lang="en-US"/>
           </a:p>
@@ -685,7 +685,7 @@
           <a:p>
             <a:fld id="{A2BAE022-C88F-2B41-9F90-7F832352A141}" type="datetimeFigureOut">
               <a:rPr lang="en-US" smtClean="0"/>
-              <a:t>2/14/24</a:t>
+              <a:t>3/14/24</a:t>
             </a:fld>
             <a:endParaRPr lang="en-US"/>
           </a:p>
@@ -855,7 +855,7 @@
           <a:p>
             <a:fld id="{A2BAE022-C88F-2B41-9F90-7F832352A141}" type="datetimeFigureOut">
               <a:rPr lang="en-US" smtClean="0"/>
-              <a:t>2/14/24</a:t>
+              <a:t>3/14/24</a:t>
             </a:fld>
             <a:endParaRPr lang="en-US"/>
           </a:p>
@@ -1035,7 +1035,7 @@
           <a:p>
             <a:fld id="{A2BAE022-C88F-2B41-9F90-7F832352A141}" type="datetimeFigureOut">
               <a:rPr lang="en-US" smtClean="0"/>
-              <a:t>2/14/24</a:t>
+              <a:t>3/14/24</a:t>
             </a:fld>
             <a:endParaRPr lang="en-US"/>
           </a:p>
@@ -1205,7 +1205,7 @@
           <a:p>
             <a:fld id="{A2BAE022-C88F-2B41-9F90-7F832352A141}" type="datetimeFigureOut">
               <a:rPr lang="en-US" smtClean="0"/>
-              <a:t>2/14/24</a:t>
+              <a:t>3/14/24</a:t>
             </a:fld>
             <a:endParaRPr lang="en-US"/>
           </a:p>
@@ -1449,7 +1449,7 @@
           <a:p>
             <a:fld id="{A2BAE022-C88F-2B41-9F90-7F832352A141}" type="datetimeFigureOut">
               <a:rPr lang="en-US" smtClean="0"/>
-              <a:t>2/14/24</a:t>
+              <a:t>3/14/24</a:t>
             </a:fld>
             <a:endParaRPr lang="en-US"/>
           </a:p>
@@ -1681,7 +1681,7 @@
           <a:p>
             <a:fld id="{A2BAE022-C88F-2B41-9F90-7F832352A141}" type="datetimeFigureOut">
               <a:rPr lang="en-US" smtClean="0"/>
-              <a:t>2/14/24</a:t>
+              <a:t>3/14/24</a:t>
             </a:fld>
             <a:endParaRPr lang="en-US"/>
           </a:p>
@@ -2048,7 +2048,7 @@
           <a:p>
             <a:fld id="{A2BAE022-C88F-2B41-9F90-7F832352A141}" type="datetimeFigureOut">
               <a:rPr lang="en-US" smtClean="0"/>
-              <a:t>2/14/24</a:t>
+              <a:t>3/14/24</a:t>
             </a:fld>
             <a:endParaRPr lang="en-US"/>
           </a:p>
@@ -2166,7 +2166,7 @@
           <a:p>
             <a:fld id="{A2BAE022-C88F-2B41-9F90-7F832352A141}" type="datetimeFigureOut">
               <a:rPr lang="en-US" smtClean="0"/>
-              <a:t>2/14/24</a:t>
+              <a:t>3/14/24</a:t>
             </a:fld>
             <a:endParaRPr lang="en-US"/>
           </a:p>
@@ -2261,7 +2261,7 @@
           <a:p>
             <a:fld id="{A2BAE022-C88F-2B41-9F90-7F832352A141}" type="datetimeFigureOut">
               <a:rPr lang="en-US" smtClean="0"/>
-              <a:t>2/14/24</a:t>
+              <a:t>3/14/24</a:t>
             </a:fld>
             <a:endParaRPr lang="en-US"/>
           </a:p>
@@ -2538,7 +2538,7 @@
           <a:p>
             <a:fld id="{A2BAE022-C88F-2B41-9F90-7F832352A141}" type="datetimeFigureOut">
               <a:rPr lang="en-US" smtClean="0"/>
-              <a:t>2/14/24</a:t>
+              <a:t>3/14/24</a:t>
             </a:fld>
             <a:endParaRPr lang="en-US"/>
           </a:p>
@@ -2795,7 +2795,7 @@
           <a:p>
             <a:fld id="{A2BAE022-C88F-2B41-9F90-7F832352A141}" type="datetimeFigureOut">
               <a:rPr lang="en-US" smtClean="0"/>
-              <a:t>2/14/24</a:t>
+              <a:t>3/14/24</a:t>
             </a:fld>
             <a:endParaRPr lang="en-US"/>
           </a:p>
@@ -3008,7 +3008,7 @@
           <a:p>
             <a:fld id="{A2BAE022-C88F-2B41-9F90-7F832352A141}" type="datetimeFigureOut">
               <a:rPr lang="en-US" smtClean="0"/>
-              <a:t>2/14/24</a:t>
+              <a:t>3/14/24</a:t>
             </a:fld>
             <a:endParaRPr lang="en-US"/>
           </a:p>
@@ -3701,7 +3701,7 @@
                         <a:latin typeface="Helvetica" pitchFamily="2" charset="0"/>
                         <a:cs typeface="Times New Roman" panose="02020603050405020304" pitchFamily="18" charset="0"/>
                       </a:rPr>
-                      <a:t>321 features, 280 families </a:t>
+                      <a:t>321 features, 281 families </a:t>
                     </a:r>
                   </a:p>
                   <a:p>
@@ -3714,7 +3714,7 @@
                         <a:latin typeface="Helvetica" pitchFamily="2" charset="0"/>
                         <a:cs typeface="Times New Roman" panose="02020603050405020304" pitchFamily="18" charset="0"/>
                       </a:rPr>
-                      <a:t>643 languages, 31.0%</a:t>
+                      <a:t>644 languages, 31.0%</a:t>
                     </a:r>
                   </a:p>
                 </p:txBody>
@@ -3886,7 +3886,7 @@
                             <a:latin typeface="Helvetica" pitchFamily="2" charset="0"/>
                             <a:cs typeface="Times New Roman" panose="02020603050405020304" pitchFamily="18" charset="0"/>
                           </a:rPr>
-                          <a:t>4,264 languages, 12.3%</a:t>
+                          <a:t>4,259 languages, 12.4%</a:t>
                         </a:r>
                       </a:p>
                     </p:txBody>
@@ -3959,7 +3959,7 @@
                             <a:latin typeface="Helvetica" pitchFamily="2" charset="0"/>
                             <a:cs typeface="Times New Roman" panose="02020603050405020304" pitchFamily="18" charset="0"/>
                           </a:rPr>
-                          <a:t>4,262 languages, 12.1%</a:t>
+                          <a:t>4,257 languages, 12.1%</a:t>
                         </a:r>
                       </a:p>
                     </p:txBody>
@@ -4582,7 +4582,7 @@
                           <a:latin typeface="Helvetica" pitchFamily="2" charset="0"/>
                           <a:cs typeface="Times New Roman" panose="02020603050405020304" pitchFamily="18" charset="0"/>
                         </a:rPr>
-                        <a:t>328 features, 324 families</a:t>
+                        <a:t>328 features, 323 families</a:t>
                       </a:r>
                     </a:p>
                     <a:p>
@@ -4595,7 +4595,7 @@
                           <a:latin typeface="Helvetica" pitchFamily="2" charset="0"/>
                           <a:cs typeface="Times New Roman" panose="02020603050405020304" pitchFamily="18" charset="0"/>
                         </a:rPr>
-                        <a:t>1,697 languages, 22.0%</a:t>
+                        <a:t>1,696 languages, 22.0%</a:t>
                       </a:r>
                     </a:p>
                   </p:txBody>
@@ -4655,7 +4655,7 @@
                           <a:latin typeface="Helvetica" pitchFamily="2" charset="0"/>
                           <a:cs typeface="Times New Roman" panose="02020603050405020304" pitchFamily="18" charset="0"/>
                         </a:rPr>
-                        <a:t>335 features, 278 families</a:t>
+                        <a:t>335 features, 279 families</a:t>
                       </a:r>
                     </a:p>
                     <a:p>
@@ -4668,7 +4668,7 @@
                           <a:latin typeface="Helvetica" pitchFamily="2" charset="0"/>
                           <a:cs typeface="Times New Roman" panose="02020603050405020304" pitchFamily="18" charset="0"/>
                         </a:rPr>
-                        <a:t>554 languages, 33.7%</a:t>
+                        <a:t>555 languages, 33.6%</a:t>
                       </a:r>
                     </a:p>
                   </p:txBody>
@@ -6093,7 +6093,7 @@
                           <a:latin typeface="Helvetica" pitchFamily="2" charset="0"/>
                           <a:cs typeface="Times New Roman" panose="02020603050405020304" pitchFamily="18" charset="0"/>
                         </a:rPr>
-                        <a:t>203 features, 317 families</a:t>
+                        <a:t>203 features, 318 families</a:t>
                       </a:r>
                     </a:p>
                     <a:p>
@@ -6166,7 +6166,7 @@
                           <a:latin typeface="Helvetica" pitchFamily="2" charset="0"/>
                           <a:cs typeface="Times New Roman" panose="02020603050405020304" pitchFamily="18" charset="0"/>
                         </a:rPr>
-                        <a:t>196 features, 317 families</a:t>
+                        <a:t>196 features, 318 families</a:t>
                       </a:r>
                     </a:p>
                     <a:p>
@@ -6759,7 +6759,20 @@
                         <a:latin typeface="Helvetica" pitchFamily="2" charset="0"/>
                         <a:cs typeface="Times New Roman" panose="02020603050405020304" pitchFamily="18" charset="0"/>
                       </a:rPr>
-                      <a:t>190 features, 316 families  </a:t>
+                      <a:t>190 features, 317 families</a:t>
+                    </a:r>
+                    <a:r>
+                      <a:rPr lang="en-US" sz="1200" dirty="0">
+                        <a:solidFill>
+                          <a:schemeClr val="bg1"/>
+                        </a:solidFill>
+                        <a:highlight>
+                          <a:srgbClr val="FF00FF"/>
+                        </a:highlight>
+                        <a:latin typeface="Helvetica" pitchFamily="2" charset="0"/>
+                        <a:cs typeface="Times New Roman" panose="02020603050405020304" pitchFamily="18" charset="0"/>
+                      </a:rPr>
+                      <a:t>  </a:t>
                     </a:r>
                   </a:p>
                   <a:p>
@@ -6772,7 +6785,7 @@
                         <a:latin typeface="Helvetica" pitchFamily="2" charset="0"/>
                         <a:cs typeface="Times New Roman" panose="02020603050405020304" pitchFamily="18" charset="0"/>
                       </a:rPr>
-                      <a:t>1,232 languages, 73.7%</a:t>
+                      <a:t>1,229 languages, 73.7%</a:t>
                     </a:r>
                   </a:p>
                 </p:txBody>
@@ -6845,7 +6858,7 @@
                         <a:latin typeface="Helvetica" pitchFamily="2" charset="0"/>
                         <a:cs typeface="Times New Roman" panose="02020603050405020304" pitchFamily="18" charset="0"/>
                       </a:rPr>
-                      <a:t>181 features, 316 families </a:t>
+                      <a:t>181 features, 317 families </a:t>
                     </a:r>
                   </a:p>
                   <a:p>
@@ -8006,7 +8019,7 @@
                                   <a:latin typeface="Helvetica" pitchFamily="2" charset="0"/>
                                   <a:cs typeface="Times New Roman" panose="02020603050405020304" pitchFamily="18" charset="0"/>
                                 </a:rPr>
-                                <a:t>230 features, 167 families</a:t>
+                                <a:t>229 features, 166 families</a:t>
                               </a:r>
                             </a:p>
                             <a:p>
@@ -8019,7 +8032,7 @@
                                   <a:latin typeface="Helvetica" pitchFamily="2" charset="0"/>
                                   <a:cs typeface="Times New Roman" panose="02020603050405020304" pitchFamily="18" charset="0"/>
                                 </a:rPr>
-                                <a:t>224 languages, 43.7%</a:t>
+                                <a:t>215 languages, 44.4%</a:t>
                               </a:r>
                             </a:p>
                           </p:txBody>
@@ -8191,7 +8204,7 @@
                                       <a:latin typeface="Helvetica" pitchFamily="2" charset="0"/>
                                       <a:cs typeface="Times New Roman" panose="02020603050405020304" pitchFamily="18" charset="0"/>
                                     </a:rPr>
-                                    <a:t>4,264 languages, 12.3%</a:t>
+                                    <a:t>4,259 languages, 12.4%</a:t>
                                   </a:r>
                                 </a:p>
                               </p:txBody>
@@ -8264,7 +8277,7 @@
                                       <a:latin typeface="Helvetica" pitchFamily="2" charset="0"/>
                                       <a:cs typeface="Times New Roman" panose="02020603050405020304" pitchFamily="18" charset="0"/>
                                     </a:rPr>
-                                    <a:t>4,262 languages, 12.1%</a:t>
+                                    <a:t>4,257 languages, 12.1%</a:t>
                                   </a:r>
                                 </a:p>
                               </p:txBody>
@@ -8338,7 +8351,7 @@
                                     <a:latin typeface="Helvetica" pitchFamily="2" charset="0"/>
                                     <a:cs typeface="Times New Roman" panose="02020603050405020304" pitchFamily="18" charset="0"/>
                                   </a:rPr>
-                                  <a:t>258 features, 289 families</a:t>
+                                  <a:t>259 features, 290 families</a:t>
                                 </a:r>
                               </a:p>
                               <a:p>
@@ -8351,7 +8364,7 @@
                                     <a:latin typeface="Helvetica" pitchFamily="2" charset="0"/>
                                     <a:cs typeface="Times New Roman" panose="02020603050405020304" pitchFamily="18" charset="0"/>
                                   </a:rPr>
-                                  <a:t>907 languages, 25.3%</a:t>
+                                  <a:t>911 languages, 25.2%</a:t>
                                 </a:r>
                               </a:p>
                             </p:txBody>
@@ -8424,7 +8437,7 @@
                                     <a:latin typeface="Helvetica" pitchFamily="2" charset="0"/>
                                     <a:cs typeface="Times New Roman" panose="02020603050405020304" pitchFamily="18" charset="0"/>
                                   </a:rPr>
-                                  <a:t>245 features, 287 families</a:t>
+                                  <a:t>246 features, 289 families</a:t>
                                 </a:r>
                               </a:p>
                               <a:p>
@@ -8437,7 +8450,7 @@
                                     <a:latin typeface="Helvetica" pitchFamily="2" charset="0"/>
                                     <a:cs typeface="Times New Roman" panose="02020603050405020304" pitchFamily="18" charset="0"/>
                                   </a:rPr>
-                                  <a:t>893 languages, 24.5%</a:t>
+                                  <a:t>901 languages, 24.3%</a:t>
                                 </a:r>
                               </a:p>
                             </p:txBody>
@@ -9745,7 +9758,7 @@
                             <a:latin typeface="Helvetica" pitchFamily="2" charset="0"/>
                             <a:cs typeface="Times New Roman" panose="02020603050405020304" pitchFamily="18" charset="0"/>
                           </a:rPr>
-                          <a:t>261 features, 310 families</a:t>
+                          <a:t>261 features, 311 families</a:t>
                         </a:r>
                       </a:p>
                       <a:p>
@@ -9819,7 +9832,7 @@
                             <a:latin typeface="Helvetica" pitchFamily="2" charset="0"/>
                             <a:cs typeface="Times New Roman" panose="02020603050405020304" pitchFamily="18" charset="0"/>
                           </a:rPr>
-                          <a:t>248 features, 309 families</a:t>
+                          <a:t>248 features, 310 families</a:t>
                         </a:r>
                       </a:p>
                       <a:p>
@@ -10002,7 +10015,7 @@
                           <a:latin typeface="Helvetica" pitchFamily="2" charset="0"/>
                           <a:cs typeface="Times New Roman" panose="02020603050405020304" pitchFamily="18" charset="0"/>
                         </a:rPr>
-                        <a:t>2,307 languages, 23.5%</a:t>
+                        <a:t>2,306 languages, 23.5%</a:t>
                       </a:r>
                     </a:p>
                   </p:txBody>
@@ -10076,7 +10089,7 @@
                           <a:latin typeface="Helvetica" pitchFamily="2" charset="0"/>
                           <a:cs typeface="Times New Roman" panose="02020603050405020304" pitchFamily="18" charset="0"/>
                         </a:rPr>
-                        <a:t>2,493 languages, 56.7%</a:t>
+                        <a:t>2,492 languages, 56.7%</a:t>
                       </a:r>
                     </a:p>
                   </p:txBody>
@@ -10248,7 +10261,7 @@
                           <a:latin typeface="Helvetica" pitchFamily="2" charset="0"/>
                           <a:cs typeface="Times New Roman" panose="02020603050405020304" pitchFamily="18" charset="0"/>
                         </a:rPr>
-                        <a:t>2,307 languages, 24.0%</a:t>
+                        <a:t>2,306 languages, 24.0%</a:t>
                       </a:r>
                     </a:p>
                   </p:txBody>
@@ -10322,7 +10335,7 @@
                           <a:latin typeface="Helvetica" pitchFamily="2" charset="0"/>
                           <a:cs typeface="Times New Roman" panose="02020603050405020304" pitchFamily="18" charset="0"/>
                         </a:rPr>
-                        <a:t>2,493 languages, 55.4%</a:t>
+                        <a:t>2,492 languages, 55.4%</a:t>
                       </a:r>
                     </a:p>
                   </p:txBody>
@@ -10808,7 +10821,7 @@
                       <a:latin typeface="Helvetica" pitchFamily="2" charset="0"/>
                       <a:cs typeface="Times New Roman" panose="02020603050405020304" pitchFamily="18" charset="0"/>
                     </a:rPr>
-                    <a:t>904 languages, 45.3% </a:t>
+                    <a:t>903 languages, 45.3% </a:t>
                   </a:r>
                 </a:p>
               </p:txBody>
@@ -11190,7 +11203,7 @@
                       <a:latin typeface="Helvetica" pitchFamily="2" charset="0"/>
                       <a:cs typeface="Times New Roman" panose="02020603050405020304" pitchFamily="18" charset="0"/>
                     </a:rPr>
-                    <a:t>966 languages, 44.6%</a:t>
+                    <a:t>960 languages, 44.7%</a:t>
                   </a:r>
                 </a:p>
               </p:txBody>
@@ -11844,7 +11857,7 @@
                     <a:latin typeface="Helvetica" pitchFamily="2" charset="0"/>
                     <a:cs typeface="Times New Roman" panose="02020603050405020304" pitchFamily="18" charset="0"/>
                   </a:rPr>
-                  <a:t>50 features,  225 families,</a:t>
+                  <a:t>50 features,  224 families,</a:t>
                 </a:r>
               </a:p>
               <a:p>
@@ -11857,7 +11870,7 @@
                     <a:latin typeface="Helvetica" pitchFamily="2" charset="0"/>
                     <a:cs typeface="Times New Roman" panose="02020603050405020304" pitchFamily="18" charset="0"/>
                   </a:rPr>
-                  <a:t>1,614 languages, 75.3%</a:t>
+                  <a:t>1,611 languages, 75.3%</a:t>
                 </a:r>
               </a:p>
             </p:txBody>
